--- a/Relocation to Germany - Presentation.pptx
+++ b/Relocation to Germany - Presentation.pptx
@@ -1010,7 +1010,7 @@
   <p:cSld>
     <p:spTree>
       <p:nvGrpSpPr>
-        <p:cNvPr id="198" name="Shape 198"/>
+        <p:cNvPr id="197" name="Shape 197"/>
         <p:cNvGrpSpPr/>
         <p:nvPr/>
       </p:nvGrpSpPr>
@@ -1024,7 +1024,7 @@
       </p:grpSpPr>
       <p:sp>
         <p:nvSpPr>
-          <p:cNvPr id="199" name="Google Shape;199;g72bd488b1c_0_179:notes"/>
+          <p:cNvPr id="198" name="Google Shape;198;g72bd488b1c_0_179:notes"/>
           <p:cNvSpPr/>
           <p:nvPr>
             <p:ph idx="2" type="sldImg"/>
@@ -1059,7 +1059,7 @@
       </p:sp>
       <p:sp>
         <p:nvSpPr>
-          <p:cNvPr id="200" name="Google Shape;200;g72bd488b1c_0_179:notes"/>
+          <p:cNvPr id="199" name="Google Shape;199;g72bd488b1c_0_179:notes"/>
           <p:cNvSpPr txBox="1"/>
           <p:nvPr>
             <p:ph idx="1" type="body"/>
@@ -1109,7 +1109,7 @@
   <p:cSld>
     <p:spTree>
       <p:nvGrpSpPr>
-        <p:cNvPr id="204" name="Shape 204"/>
+        <p:cNvPr id="203" name="Shape 203"/>
         <p:cNvGrpSpPr/>
         <p:nvPr/>
       </p:nvGrpSpPr>
@@ -1123,7 +1123,7 @@
       </p:grpSpPr>
       <p:sp>
         <p:nvSpPr>
-          <p:cNvPr id="205" name="Google Shape;205;g72bd488b1c_0_184:notes"/>
+          <p:cNvPr id="204" name="Google Shape;204;g72bd488b1c_0_184:notes"/>
           <p:cNvSpPr/>
           <p:nvPr>
             <p:ph idx="2" type="sldImg"/>
@@ -1158,7 +1158,7 @@
       </p:sp>
       <p:sp>
         <p:nvSpPr>
-          <p:cNvPr id="206" name="Google Shape;206;g72bd488b1c_0_184:notes"/>
+          <p:cNvPr id="205" name="Google Shape;205;g72bd488b1c_0_184:notes"/>
           <p:cNvSpPr txBox="1"/>
           <p:nvPr>
             <p:ph idx="1" type="body"/>
@@ -1208,7 +1208,7 @@
   <p:cSld>
     <p:spTree>
       <p:nvGrpSpPr>
-        <p:cNvPr id="210" name="Shape 210"/>
+        <p:cNvPr id="209" name="Shape 209"/>
         <p:cNvGrpSpPr/>
         <p:nvPr/>
       </p:nvGrpSpPr>
@@ -1222,7 +1222,7 @@
       </p:grpSpPr>
       <p:sp>
         <p:nvSpPr>
-          <p:cNvPr id="211" name="Google Shape;211;g72bd488b1c_0_192:notes"/>
+          <p:cNvPr id="210" name="Google Shape;210;g72bd488b1c_0_192:notes"/>
           <p:cNvSpPr/>
           <p:nvPr>
             <p:ph idx="2" type="sldImg"/>
@@ -1257,7 +1257,7 @@
       </p:sp>
       <p:sp>
         <p:nvSpPr>
-          <p:cNvPr id="212" name="Google Shape;212;g72bd488b1c_0_192:notes"/>
+          <p:cNvPr id="211" name="Google Shape;211;g72bd488b1c_0_192:notes"/>
           <p:cNvSpPr txBox="1"/>
           <p:nvPr>
             <p:ph idx="1" type="body"/>
@@ -10500,48 +10500,9 @@
           </a:p>
         </p:txBody>
       </p:sp>
-      <p:sp>
-        <p:nvSpPr>
-          <p:cNvPr id="196" name="Google Shape;196;p23"/>
-          <p:cNvSpPr txBox="1"/>
-          <p:nvPr>
-            <p:ph idx="1" type="body"/>
-          </p:nvPr>
-        </p:nvSpPr>
-        <p:spPr>
-          <a:xfrm>
-            <a:off x="819150" y="1990725"/>
-            <a:ext cx="7505700" cy="2448000"/>
-          </a:xfrm>
-          <a:prstGeom prst="rect">
-            <a:avLst/>
-          </a:prstGeom>
-        </p:spPr>
-        <p:txBody>
-          <a:bodyPr anchorCtr="0" anchor="t" bIns="91425" lIns="91425" spcFirstLastPara="1" rIns="91425" wrap="square" tIns="91425">
-            <a:noAutofit/>
-          </a:bodyPr>
-          <a:lstStyle/>
-          <a:p>
-            <a:pPr indent="0" lvl="0" marL="0" rtl="0" algn="l">
-              <a:spcBef>
-                <a:spcPts val="0"/>
-              </a:spcBef>
-              <a:spcAft>
-                <a:spcPts val="1600"/>
-              </a:spcAft>
-              <a:buNone/>
-            </a:pPr>
-            <a:r>
-              <a:t/>
-            </a:r>
-            <a:endParaRPr/>
-          </a:p>
-        </p:txBody>
-      </p:sp>
       <p:pic>
         <p:nvPicPr>
-          <p:cNvPr id="197" name="Google Shape;197;p23"/>
+          <p:cNvPr id="196" name="Google Shape;196;p23"/>
           <p:cNvPicPr preferRelativeResize="0"/>
           <p:nvPr/>
         </p:nvPicPr>
@@ -10580,7 +10541,7 @@
   <p:cSld>
     <p:spTree>
       <p:nvGrpSpPr>
-        <p:cNvPr id="201" name="Shape 201"/>
+        <p:cNvPr id="200" name="Shape 200"/>
         <p:cNvGrpSpPr/>
         <p:nvPr/>
       </p:nvGrpSpPr>
@@ -10594,7 +10555,7 @@
       </p:grpSpPr>
       <p:sp>
         <p:nvSpPr>
-          <p:cNvPr id="202" name="Google Shape;202;p24"/>
+          <p:cNvPr id="201" name="Google Shape;201;p24"/>
           <p:cNvSpPr txBox="1"/>
           <p:nvPr>
             <p:ph type="title"/>
@@ -10649,7 +10610,7 @@
       </p:sp>
       <p:sp>
         <p:nvSpPr>
-          <p:cNvPr id="203" name="Google Shape;203;p24"/>
+          <p:cNvPr id="202" name="Google Shape;202;p24"/>
           <p:cNvSpPr txBox="1"/>
           <p:nvPr>
             <p:ph idx="1" type="body"/>
@@ -10727,7 +10688,7 @@
   <p:cSld>
     <p:spTree>
       <p:nvGrpSpPr>
-        <p:cNvPr id="207" name="Shape 207"/>
+        <p:cNvPr id="206" name="Shape 206"/>
         <p:cNvGrpSpPr/>
         <p:nvPr/>
       </p:nvGrpSpPr>
@@ -10741,7 +10702,7 @@
       </p:grpSpPr>
       <p:sp>
         <p:nvSpPr>
-          <p:cNvPr id="208" name="Google Shape;208;p25"/>
+          <p:cNvPr id="207" name="Google Shape;207;p25"/>
           <p:cNvSpPr txBox="1"/>
           <p:nvPr>
             <p:ph type="title"/>
@@ -10781,7 +10742,7 @@
       </p:sp>
       <p:sp>
         <p:nvSpPr>
-          <p:cNvPr id="209" name="Google Shape;209;p25"/>
+          <p:cNvPr id="208" name="Google Shape;208;p25"/>
           <p:cNvSpPr txBox="1"/>
           <p:nvPr>
             <p:ph idx="1" type="body"/>
@@ -10867,7 +10828,7 @@
   <p:cSld>
     <p:spTree>
       <p:nvGrpSpPr>
-        <p:cNvPr id="213" name="Shape 213"/>
+        <p:cNvPr id="212" name="Shape 212"/>
         <p:cNvGrpSpPr/>
         <p:nvPr/>
       </p:nvGrpSpPr>
@@ -10881,7 +10842,7 @@
       </p:grpSpPr>
       <p:sp>
         <p:nvSpPr>
-          <p:cNvPr id="214" name="Google Shape;214;p26"/>
+          <p:cNvPr id="213" name="Google Shape;213;p26"/>
           <p:cNvSpPr txBox="1"/>
           <p:nvPr>
             <p:ph type="title"/>
@@ -10921,7 +10882,7 @@
       </p:sp>
       <p:sp>
         <p:nvSpPr>
-          <p:cNvPr id="215" name="Google Shape;215;p26"/>
+          <p:cNvPr id="214" name="Google Shape;214;p26"/>
           <p:cNvSpPr txBox="1"/>
           <p:nvPr>
             <p:ph idx="1" type="body"/>
